--- a/capstone2/Predicting_Patient_NoShows.pptx
+++ b/capstone2/Predicting_Patient_NoShows.pptx
@@ -7507,6 +7507,180 @@
           <a:p>
             <a:r>
               <a:rPr lang="en-US" dirty="0"/>
+              <a:t>Mention how the colors may confuse. Next time put counts on the percent slide.</a:t>
+            </a:r>
+          </a:p>
+        </p:txBody>
+      </p:sp>
+      <p:sp>
+        <p:nvSpPr>
+          <p:cNvPr id="4" name="Slide Number Placeholder 3"/>
+          <p:cNvSpPr>
+            <a:spLocks noGrp="1"/>
+          </p:cNvSpPr>
+          <p:nvPr>
+            <p:ph type="sldNum" sz="quarter" idx="5"/>
+          </p:nvPr>
+        </p:nvSpPr>
+        <p:spPr/>
+        <p:txBody>
+          <a:bodyPr/>
+          <a:lstStyle/>
+          <a:p>
+            <a:fld id="{1E9C9CDD-2CA3-4A8D-9037-0F3593AEFFE0}" type="slidenum">
+              <a:rPr lang="en-US" smtClean="0"/>
+              <a:t>6</a:t>
+            </a:fld>
+            <a:endParaRPr lang="en-US"/>
+          </a:p>
+        </p:txBody>
+      </p:sp>
+    </p:spTree>
+    <p:extLst>
+      <p:ext uri="{BB962C8B-B14F-4D97-AF65-F5344CB8AC3E}">
+        <p14:creationId xmlns:p14="http://schemas.microsoft.com/office/powerpoint/2010/main" val="3959740231"/>
+      </p:ext>
+    </p:extLst>
+  </p:cSld>
+  <p:clrMapOvr>
+    <a:masterClrMapping/>
+  </p:clrMapOvr>
+</p:notes>
+</file>
+
+<file path=ppt/notesSlides/notesSlide3.xml><?xml version="1.0" encoding="utf-8"?>
+<p:notes xmlns:a="http://schemas.openxmlformats.org/drawingml/2006/main" xmlns:r="http://schemas.openxmlformats.org/officeDocument/2006/relationships" xmlns:p="http://schemas.openxmlformats.org/presentationml/2006/main">
+  <p:cSld>
+    <p:spTree>
+      <p:nvGrpSpPr>
+        <p:cNvPr id="1" name=""/>
+        <p:cNvGrpSpPr/>
+        <p:nvPr/>
+      </p:nvGrpSpPr>
+      <p:grpSpPr>
+        <a:xfrm>
+          <a:off x="0" y="0"/>
+          <a:ext cx="0" cy="0"/>
+          <a:chOff x="0" y="0"/>
+          <a:chExt cx="0" cy="0"/>
+        </a:xfrm>
+      </p:grpSpPr>
+      <p:sp>
+        <p:nvSpPr>
+          <p:cNvPr id="2" name="Slide Image Placeholder 1"/>
+          <p:cNvSpPr>
+            <a:spLocks noGrp="1" noRot="1" noChangeAspect="1"/>
+          </p:cNvSpPr>
+          <p:nvPr>
+            <p:ph type="sldImg"/>
+          </p:nvPr>
+        </p:nvSpPr>
+        <p:spPr/>
+      </p:sp>
+      <p:sp>
+        <p:nvSpPr>
+          <p:cNvPr id="3" name="Notes Placeholder 2"/>
+          <p:cNvSpPr>
+            <a:spLocks noGrp="1"/>
+          </p:cNvSpPr>
+          <p:nvPr>
+            <p:ph type="body" idx="1"/>
+          </p:nvPr>
+        </p:nvSpPr>
+        <p:spPr/>
+        <p:txBody>
+          <a:bodyPr/>
+          <a:lstStyle/>
+          <a:p>
+            <a:r>
+              <a:rPr lang="en-US" dirty="0"/>
+              <a:t>Show top days of no shows. </a:t>
+            </a:r>
+          </a:p>
+        </p:txBody>
+      </p:sp>
+      <p:sp>
+        <p:nvSpPr>
+          <p:cNvPr id="4" name="Slide Number Placeholder 3"/>
+          <p:cNvSpPr>
+            <a:spLocks noGrp="1"/>
+          </p:cNvSpPr>
+          <p:nvPr>
+            <p:ph type="sldNum" sz="quarter" idx="5"/>
+          </p:nvPr>
+        </p:nvSpPr>
+        <p:spPr/>
+        <p:txBody>
+          <a:bodyPr/>
+          <a:lstStyle/>
+          <a:p>
+            <a:fld id="{1E9C9CDD-2CA3-4A8D-9037-0F3593AEFFE0}" type="slidenum">
+              <a:rPr lang="en-US" smtClean="0"/>
+              <a:t>9</a:t>
+            </a:fld>
+            <a:endParaRPr lang="en-US"/>
+          </a:p>
+        </p:txBody>
+      </p:sp>
+    </p:spTree>
+    <p:extLst>
+      <p:ext uri="{BB962C8B-B14F-4D97-AF65-F5344CB8AC3E}">
+        <p14:creationId xmlns:p14="http://schemas.microsoft.com/office/powerpoint/2010/main" val="884824644"/>
+      </p:ext>
+    </p:extLst>
+  </p:cSld>
+  <p:clrMapOvr>
+    <a:masterClrMapping/>
+  </p:clrMapOvr>
+</p:notes>
+</file>
+
+<file path=ppt/notesSlides/notesSlide4.xml><?xml version="1.0" encoding="utf-8"?>
+<p:notes xmlns:a="http://schemas.openxmlformats.org/drawingml/2006/main" xmlns:r="http://schemas.openxmlformats.org/officeDocument/2006/relationships" xmlns:p="http://schemas.openxmlformats.org/presentationml/2006/main">
+  <p:cSld>
+    <p:spTree>
+      <p:nvGrpSpPr>
+        <p:cNvPr id="1" name=""/>
+        <p:cNvGrpSpPr/>
+        <p:nvPr/>
+      </p:nvGrpSpPr>
+      <p:grpSpPr>
+        <a:xfrm>
+          <a:off x="0" y="0"/>
+          <a:ext cx="0" cy="0"/>
+          <a:chOff x="0" y="0"/>
+          <a:chExt cx="0" cy="0"/>
+        </a:xfrm>
+      </p:grpSpPr>
+      <p:sp>
+        <p:nvSpPr>
+          <p:cNvPr id="2" name="Slide Image Placeholder 1"/>
+          <p:cNvSpPr>
+            <a:spLocks noGrp="1" noRot="1" noChangeAspect="1"/>
+          </p:cNvSpPr>
+          <p:nvPr>
+            <p:ph type="sldImg"/>
+          </p:nvPr>
+        </p:nvSpPr>
+        <p:spPr/>
+      </p:sp>
+      <p:sp>
+        <p:nvSpPr>
+          <p:cNvPr id="3" name="Notes Placeholder 2"/>
+          <p:cNvSpPr>
+            <a:spLocks noGrp="1"/>
+          </p:cNvSpPr>
+          <p:nvPr>
+            <p:ph type="body" idx="1"/>
+          </p:nvPr>
+        </p:nvSpPr>
+        <p:spPr/>
+        <p:txBody>
+          <a:bodyPr/>
+          <a:lstStyle/>
+          <a:p>
+            <a:r>
+              <a:rPr lang="en-US" dirty="0"/>
               <a:t>It rained only 1 full day during the 6 week period of appointments and the temperature was mild.</a:t>
             </a:r>
           </a:p>
@@ -7548,7 +7722,7 @@
 </p:notes>
 </file>
 
-<file path=ppt/notesSlides/notesSlide3.xml><?xml version="1.0" encoding="utf-8"?>
+<file path=ppt/notesSlides/notesSlide5.xml><?xml version="1.0" encoding="utf-8"?>
 <p:notes xmlns:a="http://schemas.openxmlformats.org/drawingml/2006/main" xmlns:r="http://schemas.openxmlformats.org/officeDocument/2006/relationships" xmlns:p="http://schemas.openxmlformats.org/presentationml/2006/main">
   <p:cSld>
     <p:spTree>
@@ -35468,7 +35642,7 @@
               <a:avLst/>
             </a:prstGeom>
             <a:blipFill>
-              <a:blip r:embed="rId2">
+              <a:blip r:embed="rId3">
                 <a:duotone>
                   <a:schemeClr val="dk2">
                     <a:shade val="42000"/>
@@ -36122,7 +36296,7 @@
             <a:avLst/>
           </a:prstGeom>
           <a:blipFill>
-            <a:blip r:embed="rId2">
+            <a:blip r:embed="rId3">
               <a:duotone>
                 <a:schemeClr val="dk2">
                   <a:shade val="42000"/>
@@ -36817,7 +36991,7 @@
           <p:nvPr/>
         </p:nvPicPr>
         <p:blipFill>
-          <a:blip r:embed="rId3"/>
+          <a:blip r:embed="rId4"/>
           <a:stretch>
             <a:fillRect/>
           </a:stretch>
@@ -36850,7 +37024,7 @@
           <p:nvPr/>
         </p:nvPicPr>
         <p:blipFill>
-          <a:blip r:embed="rId4"/>
+          <a:blip r:embed="rId5"/>
           <a:stretch>
             <a:fillRect/>
           </a:stretch>
@@ -37253,7 +37427,7 @@
               <a:avLst/>
             </a:prstGeom>
             <a:blipFill>
-              <a:blip r:embed="rId2">
+              <a:blip r:embed="rId3">
                 <a:duotone>
                   <a:schemeClr val="dk2">
                     <a:shade val="42000"/>
@@ -38382,7 +38556,7 @@
           <p:nvPr/>
         </p:nvPicPr>
         <p:blipFill>
-          <a:blip r:embed="rId3"/>
+          <a:blip r:embed="rId4"/>
           <a:stretch>
             <a:fillRect/>
           </a:stretch>
@@ -38969,21 +39143,21 @@
 </file>
 
 <file path=customXml/item1.xml><?xml version="1.0" encoding="utf-8"?>
+<p:properties xmlns:p="http://schemas.microsoft.com/office/2006/metadata/properties" xmlns:xsi="http://www.w3.org/2001/XMLSchema-instance" xmlns:pc="http://schemas.microsoft.com/office/infopath/2007/PartnerControls">
+  <documentManagement>
+    <_ip_UnifiedCompliancePolicyUIAction xmlns="http://schemas.microsoft.com/sharepoint/v3" xsi:nil="true"/>
+    <_ip_UnifiedCompliancePolicyProperties xmlns="http://schemas.microsoft.com/sharepoint/v3" xsi:nil="true"/>
+  </documentManagement>
+</p:properties>
+</file>
+
+<file path=customXml/item2.xml><?xml version="1.0" encoding="utf-8"?>
 <?mso-contentType ?>
 <FormTemplates xmlns="http://schemas.microsoft.com/sharepoint/v3/contenttype/forms">
   <Display>DocumentLibraryForm</Display>
   <Edit>DocumentLibraryForm</Edit>
   <New>DocumentLibraryForm</New>
 </FormTemplates>
-</file>
-
-<file path=customXml/item2.xml><?xml version="1.0" encoding="utf-8"?>
-<p:properties xmlns:p="http://schemas.microsoft.com/office/2006/metadata/properties" xmlns:xsi="http://www.w3.org/2001/XMLSchema-instance" xmlns:pc="http://schemas.microsoft.com/office/infopath/2007/PartnerControls">
-  <documentManagement>
-    <_ip_UnifiedCompliancePolicyUIAction xmlns="http://schemas.microsoft.com/sharepoint/v3" xsi:nil="true"/>
-    <_ip_UnifiedCompliancePolicyProperties xmlns="http://schemas.microsoft.com/sharepoint/v3" xsi:nil="true"/>
-  </documentManagement>
-</p:properties>
 </file>
 
 <file path=customXml/item3.xml><?xml version="1.0" encoding="utf-8"?>
@@ -39182,14 +39356,6 @@
 </file>
 
 <file path=customXml/itemProps1.xml><?xml version="1.0" encoding="utf-8"?>
-<ds:datastoreItem xmlns:ds="http://schemas.openxmlformats.org/officeDocument/2006/customXml" ds:itemID="{712B4B56-0820-4AA6-B94C-9F35D9570448}">
-  <ds:schemaRefs>
-    <ds:schemaRef ds:uri="http://schemas.microsoft.com/sharepoint/v3/contenttype/forms"/>
-  </ds:schemaRefs>
-</ds:datastoreItem>
-</file>
-
-<file path=customXml/itemProps2.xml><?xml version="1.0" encoding="utf-8"?>
 <ds:datastoreItem xmlns:ds="http://schemas.openxmlformats.org/officeDocument/2006/customXml" ds:itemID="{6017DA68-7976-4C66-A725-C1E6A2F6B8E4}">
   <ds:schemaRefs>
     <ds:schemaRef ds:uri="http://schemas.microsoft.com/office/2006/documentManagement/types"/>
@@ -39202,6 +39368,14 @@
     <ds:schemaRef ds:uri="432fa3b2-3203-4ff8-99db-3d58ebaced9f"/>
     <ds:schemaRef ds:uri="http://www.w3.org/XML/1998/namespace"/>
     <ds:schemaRef ds:uri="http://purl.org/dc/dcmitype/"/>
+  </ds:schemaRefs>
+</ds:datastoreItem>
+</file>
+
+<file path=customXml/itemProps2.xml><?xml version="1.0" encoding="utf-8"?>
+<ds:datastoreItem xmlns:ds="http://schemas.openxmlformats.org/officeDocument/2006/customXml" ds:itemID="{712B4B56-0820-4AA6-B94C-9F35D9570448}">
+  <ds:schemaRefs>
+    <ds:schemaRef ds:uri="http://schemas.microsoft.com/sharepoint/v3/contenttype/forms"/>
   </ds:schemaRefs>
 </ds:datastoreItem>
 </file>
